--- a/KodujWPlocku/Mam_chmure_i_co_dalej.pptx
+++ b/KodujWPlocku/Mam_chmure_i_co_dalej.pptx
@@ -7858,7 +7858,7 @@
             <a:fld id="{B61BEF0D-F0BB-DE4B-95CE-6DB70DBA9567}" type="datetimeFigureOut">
               <a:rPr lang="en-US" dirty="0"/>
               <a:pPr/>
-              <a:t>11/21/2019</a:t>
+              <a:t>11/26/2019</a:t>
             </a:fld>
             <a:endParaRPr lang="en-US" dirty="0"/>
           </a:p>
@@ -8151,7 +8151,7 @@
             <a:fld id="{B61BEF0D-F0BB-DE4B-95CE-6DB70DBA9567}" type="datetimeFigureOut">
               <a:rPr lang="en-US" dirty="0"/>
               <a:pPr/>
-              <a:t>11/21/2019</a:t>
+              <a:t>11/26/2019</a:t>
             </a:fld>
             <a:endParaRPr lang="en-US" dirty="0"/>
           </a:p>
@@ -8396,7 +8396,7 @@
             <a:fld id="{B61BEF0D-F0BB-DE4B-95CE-6DB70DBA9567}" type="datetimeFigureOut">
               <a:rPr lang="en-US" dirty="0"/>
               <a:pPr/>
-              <a:t>11/21/2019</a:t>
+              <a:t>11/26/2019</a:t>
             </a:fld>
             <a:endParaRPr lang="en-US" dirty="0"/>
           </a:p>
@@ -8933,7 +8933,7 @@
             <a:fld id="{B61BEF0D-F0BB-DE4B-95CE-6DB70DBA9567}" type="datetimeFigureOut">
               <a:rPr lang="en-US" dirty="0"/>
               <a:pPr/>
-              <a:t>11/21/2019</a:t>
+              <a:t>11/26/2019</a:t>
             </a:fld>
             <a:endParaRPr lang="en-US" dirty="0"/>
           </a:p>
@@ -9178,7 +9178,7 @@
             <a:fld id="{B61BEF0D-F0BB-DE4B-95CE-6DB70DBA9567}" type="datetimeFigureOut">
               <a:rPr lang="en-US" dirty="0"/>
               <a:pPr/>
-              <a:t>11/21/2019</a:t>
+              <a:t>11/26/2019</a:t>
             </a:fld>
             <a:endParaRPr lang="en-US" dirty="0"/>
           </a:p>
@@ -9707,7 +9707,7 @@
             <a:fld id="{B61BEF0D-F0BB-DE4B-95CE-6DB70DBA9567}" type="datetimeFigureOut">
               <a:rPr lang="en-US" dirty="0"/>
               <a:pPr/>
-              <a:t>11/21/2019</a:t>
+              <a:t>11/26/2019</a:t>
             </a:fld>
             <a:endParaRPr lang="en-US" dirty="0"/>
           </a:p>
@@ -10001,7 +10001,7 @@
             <a:fld id="{B61BEF0D-F0BB-DE4B-95CE-6DB70DBA9567}" type="datetimeFigureOut">
               <a:rPr lang="en-US" dirty="0"/>
               <a:pPr/>
-              <a:t>11/21/2019</a:t>
+              <a:t>11/26/2019</a:t>
             </a:fld>
             <a:endParaRPr lang="en-US" dirty="0"/>
           </a:p>
@@ -10172,7 +10172,7 @@
             <a:fld id="{B61BEF0D-F0BB-DE4B-95CE-6DB70DBA9567}" type="datetimeFigureOut">
               <a:rPr lang="en-US" dirty="0"/>
               <a:pPr/>
-              <a:t>11/21/2019</a:t>
+              <a:t>11/26/2019</a:t>
             </a:fld>
             <a:endParaRPr lang="en-US" dirty="0"/>
           </a:p>
@@ -10349,7 +10349,7 @@
             <a:fld id="{B61BEF0D-F0BB-DE4B-95CE-6DB70DBA9567}" type="datetimeFigureOut">
               <a:rPr lang="en-US" dirty="0"/>
               <a:pPr/>
-              <a:t>11/21/2019</a:t>
+              <a:t>11/26/2019</a:t>
             </a:fld>
             <a:endParaRPr lang="en-US" dirty="0"/>
           </a:p>
@@ -10516,7 +10516,7 @@
             <a:fld id="{B61BEF0D-F0BB-DE4B-95CE-6DB70DBA9567}" type="datetimeFigureOut">
               <a:rPr lang="en-US" dirty="0"/>
               <a:pPr/>
-              <a:t>11/21/2019</a:t>
+              <a:t>11/26/2019</a:t>
             </a:fld>
             <a:endParaRPr lang="en-US" dirty="0"/>
           </a:p>
@@ -10764,7 +10764,7 @@
             <a:fld id="{B61BEF0D-F0BB-DE4B-95CE-6DB70DBA9567}" type="datetimeFigureOut">
               <a:rPr lang="en-US" dirty="0"/>
               <a:pPr/>
-              <a:t>11/21/2019</a:t>
+              <a:t>11/26/2019</a:t>
             </a:fld>
             <a:endParaRPr lang="en-US" dirty="0"/>
           </a:p>
@@ -11058,7 +11058,7 @@
             <a:fld id="{B61BEF0D-F0BB-DE4B-95CE-6DB70DBA9567}" type="datetimeFigureOut">
               <a:rPr lang="en-US" dirty="0"/>
               <a:pPr/>
-              <a:t>11/21/2019</a:t>
+              <a:t>11/26/2019</a:t>
             </a:fld>
             <a:endParaRPr lang="en-US" dirty="0"/>
           </a:p>
@@ -11497,7 +11497,7 @@
             <a:fld id="{B61BEF0D-F0BB-DE4B-95CE-6DB70DBA9567}" type="datetimeFigureOut">
               <a:rPr lang="en-US" dirty="0"/>
               <a:pPr/>
-              <a:t>11/21/2019</a:t>
+              <a:t>11/26/2019</a:t>
             </a:fld>
             <a:endParaRPr lang="en-US" dirty="0"/>
           </a:p>
@@ -11612,7 +11612,7 @@
             <a:fld id="{B61BEF0D-F0BB-DE4B-95CE-6DB70DBA9567}" type="datetimeFigureOut">
               <a:rPr lang="en-US" dirty="0"/>
               <a:pPr/>
-              <a:t>11/21/2019</a:t>
+              <a:t>11/26/2019</a:t>
             </a:fld>
             <a:endParaRPr lang="en-US" dirty="0"/>
           </a:p>
@@ -11704,7 +11704,7 @@
             <a:fld id="{B61BEF0D-F0BB-DE4B-95CE-6DB70DBA9567}" type="datetimeFigureOut">
               <a:rPr lang="en-US" dirty="0"/>
               <a:pPr/>
-              <a:t>11/21/2019</a:t>
+              <a:t>11/26/2019</a:t>
             </a:fld>
             <a:endParaRPr lang="en-US" dirty="0"/>
           </a:p>
@@ -11984,7 +11984,7 @@
             <a:fld id="{B61BEF0D-F0BB-DE4B-95CE-6DB70DBA9567}" type="datetimeFigureOut">
               <a:rPr lang="en-US" dirty="0"/>
               <a:pPr/>
-              <a:t>11/21/2019</a:t>
+              <a:t>11/26/2019</a:t>
             </a:fld>
             <a:endParaRPr lang="en-US" dirty="0"/>
           </a:p>
@@ -12272,7 +12272,7 @@
             <a:fld id="{B61BEF0D-F0BB-DE4B-95CE-6DB70DBA9567}" type="datetimeFigureOut">
               <a:rPr lang="en-US" dirty="0"/>
               <a:pPr/>
-              <a:t>11/21/2019</a:t>
+              <a:t>11/26/2019</a:t>
             </a:fld>
             <a:endParaRPr lang="en-US" dirty="0"/>
           </a:p>
@@ -12799,7 +12799,7 @@
             <a:fld id="{B61BEF0D-F0BB-DE4B-95CE-6DB70DBA9567}" type="datetimeFigureOut">
               <a:rPr lang="en-US" dirty="0"/>
               <a:pPr/>
-              <a:t>11/21/2019</a:t>
+              <a:t>11/26/2019</a:t>
             </a:fld>
             <a:endParaRPr lang="en-US" dirty="0"/>
           </a:p>
@@ -25739,6 +25739,12 @@
 </file>
 
 <file path=customXml/item1.xml><?xml version="1.0" encoding="utf-8"?>
+<p:properties xmlns:p="http://schemas.microsoft.com/office/2006/metadata/properties" xmlns:xsi="http://www.w3.org/2001/XMLSchema-instance" xmlns:pc="http://schemas.microsoft.com/office/infopath/2007/PartnerControls">
+  <documentManagement/>
+</p:properties>
+</file>
+
+<file path=customXml/item2.xml><?xml version="1.0" encoding="utf-8"?>
 <ct:contentTypeSchema xmlns:ct="http://schemas.microsoft.com/office/2006/metadata/contentType" xmlns:ma="http://schemas.microsoft.com/office/2006/metadata/properties/metaAttributes" ct:_="" ma:_="" ma:contentTypeName="Document" ma:contentTypeID="0x010100F9CFD47795783649A5BC362B990A294F" ma:contentTypeVersion="7" ma:contentTypeDescription="Create a new document." ma:contentTypeScope="" ma:versionID="1bcac058a487f828f142d7173d1f281c">
   <xsd:schema xmlns:xsd="http://www.w3.org/2001/XMLSchema" xmlns:xs="http://www.w3.org/2001/XMLSchema" xmlns:p="http://schemas.microsoft.com/office/2006/metadata/properties" xmlns:ns3="4fdb5a22-28dc-4752-92f9-2a3ea64ea04b" xmlns:ns4="268d99f8-631f-4104-b112-fb63624abc29" targetNamespace="http://schemas.microsoft.com/office/2006/metadata/properties" ma:root="true" ma:fieldsID="ed0b19b8939503375c393fc9f8e094d4" ns3:_="" ns4:_="">
     <xsd:import namespace="4fdb5a22-28dc-4752-92f9-2a3ea64ea04b"/>
@@ -25923,12 +25929,6 @@
 </ct:contentTypeSchema>
 </file>
 
-<file path=customXml/item2.xml><?xml version="1.0" encoding="utf-8"?>
-<p:properties xmlns:p="http://schemas.microsoft.com/office/2006/metadata/properties" xmlns:xsi="http://www.w3.org/2001/XMLSchema-instance" xmlns:pc="http://schemas.microsoft.com/office/infopath/2007/PartnerControls">
-  <documentManagement/>
-</p:properties>
-</file>
-
 <file path=customXml/item3.xml><?xml version="1.0" encoding="utf-8"?>
 <?mso-contentType ?>
 <FormTemplates xmlns="http://schemas.microsoft.com/sharepoint/v3/contenttype/forms">
@@ -25939,6 +25939,23 @@
 </file>
 
 <file path=customXml/itemProps1.xml><?xml version="1.0" encoding="utf-8"?>
+<ds:datastoreItem xmlns:ds="http://schemas.openxmlformats.org/officeDocument/2006/customXml" ds:itemID="{2792E846-4990-45A8-B29E-D0346CBA8EA2}">
+  <ds:schemaRefs>
+    <ds:schemaRef ds:uri="http://schemas.microsoft.com/office/2006/metadata/properties"/>
+    <ds:schemaRef ds:uri="http://purl.org/dc/dcmitype/"/>
+    <ds:schemaRef ds:uri="http://purl.org/dc/terms/"/>
+    <ds:schemaRef ds:uri="http://schemas.openxmlformats.org/package/2006/metadata/core-properties"/>
+    <ds:schemaRef ds:uri="http://schemas.microsoft.com/office/2006/documentManagement/types"/>
+    <ds:schemaRef ds:uri="http://schemas.microsoft.com/office/infopath/2007/PartnerControls"/>
+    <ds:schemaRef ds:uri="4fdb5a22-28dc-4752-92f9-2a3ea64ea04b"/>
+    <ds:schemaRef ds:uri="http://purl.org/dc/elements/1.1/"/>
+    <ds:schemaRef ds:uri="268d99f8-631f-4104-b112-fb63624abc29"/>
+    <ds:schemaRef ds:uri="http://www.w3.org/XML/1998/namespace"/>
+  </ds:schemaRefs>
+</ds:datastoreItem>
+</file>
+
+<file path=customXml/itemProps2.xml><?xml version="1.0" encoding="utf-8"?>
 <ds:datastoreItem xmlns:ds="http://schemas.openxmlformats.org/officeDocument/2006/customXml" ds:itemID="{AA5AC2FC-665C-4DBC-B92A-3A01DD82AC21}">
   <ds:schemaRefs>
     <ds:schemaRef ds:uri="http://schemas.microsoft.com/office/2006/metadata/contentType"/>
@@ -25957,23 +25974,6 @@
 </ds:datastoreItem>
 </file>
 
-<file path=customXml/itemProps2.xml><?xml version="1.0" encoding="utf-8"?>
-<ds:datastoreItem xmlns:ds="http://schemas.openxmlformats.org/officeDocument/2006/customXml" ds:itemID="{2792E846-4990-45A8-B29E-D0346CBA8EA2}">
-  <ds:schemaRefs>
-    <ds:schemaRef ds:uri="http://schemas.microsoft.com/office/2006/metadata/properties"/>
-    <ds:schemaRef ds:uri="http://purl.org/dc/dcmitype/"/>
-    <ds:schemaRef ds:uri="http://purl.org/dc/terms/"/>
-    <ds:schemaRef ds:uri="http://schemas.openxmlformats.org/package/2006/metadata/core-properties"/>
-    <ds:schemaRef ds:uri="http://schemas.microsoft.com/office/2006/documentManagement/types"/>
-    <ds:schemaRef ds:uri="http://schemas.microsoft.com/office/infopath/2007/PartnerControls"/>
-    <ds:schemaRef ds:uri="4fdb5a22-28dc-4752-92f9-2a3ea64ea04b"/>
-    <ds:schemaRef ds:uri="http://purl.org/dc/elements/1.1/"/>
-    <ds:schemaRef ds:uri="268d99f8-631f-4104-b112-fb63624abc29"/>
-    <ds:schemaRef ds:uri="http://www.w3.org/XML/1998/namespace"/>
-  </ds:schemaRefs>
-</ds:datastoreItem>
-</file>
-
 <file path=customXml/itemProps3.xml><?xml version="1.0" encoding="utf-8"?>
 <ds:datastoreItem xmlns:ds="http://schemas.openxmlformats.org/officeDocument/2006/customXml" ds:itemID="{4717D7DD-55C7-4FEA-A140-42BAEC8DA5ED}">
   <ds:schemaRefs>
